--- a/lessons_group_18/06_css_part_4.pptx
+++ b/lessons_group_18/06_css_part_4.pptx
@@ -139,7 +139,7 @@
   </p:defaultTextStyle>
   <p:extLst>
     <p:ext uri="{EFAFB233-063F-42B5-8137-9DF3F51BA10A}">
-      <p15:sldGuideLst xmlns:p15="http://schemas.microsoft.com/office/powerpoint/2012/main">
+      <p15:sldGuideLst xmlns:p15="http://schemas.microsoft.com/office/powerpoint/2012/main" xmlns="">
         <p15:guide id="1" orient="horz" pos="2160">
           <p15:clr>
             <a:srgbClr val="A4A3A4"/>
@@ -239,7 +239,7 @@
             <a:fld id="{85522811-C5C6-42D2-A409-F8556720C93F}" type="datetimeFigureOut">
               <a:rPr lang="uk-UA" smtClean="0"/>
               <a:pPr/>
-              <a:t>31.01.2018</a:t>
+              <a:t>15.04.2018</a:t>
             </a:fld>
             <a:endParaRPr lang="uk-UA"/>
           </a:p>
@@ -410,7 +410,7 @@
     </p:spTree>
     <p:extLst>
       <p:ext uri="{BB962C8B-B14F-4D97-AF65-F5344CB8AC3E}">
-        <p14:creationId xmlns:p14="http://schemas.microsoft.com/office/powerpoint/2010/main" val="1054139515"/>
+        <p14:creationId xmlns:p14="http://schemas.microsoft.com/office/powerpoint/2010/main" xmlns="" val="1054139515"/>
       </p:ext>
     </p:extLst>
   </p:cSld>
@@ -692,7 +692,7 @@
             <a:fld id="{0A2E6AC4-C3FE-4E70-88D1-136405B25267}" type="datetime1">
               <a:rPr lang="uk-UA" smtClean="0"/>
               <a:pPr/>
-              <a:t>31.01.2018</a:t>
+              <a:t>15.04.2018</a:t>
             </a:fld>
             <a:endParaRPr lang="uk-UA"/>
           </a:p>
@@ -859,7 +859,7 @@
             <a:fld id="{B4D85949-5AE9-41F1-B18C-DA1006B0E8CC}" type="datetime1">
               <a:rPr lang="uk-UA" smtClean="0"/>
               <a:pPr/>
-              <a:t>31.01.2018</a:t>
+              <a:t>15.04.2018</a:t>
             </a:fld>
             <a:endParaRPr lang="uk-UA"/>
           </a:p>
@@ -1036,7 +1036,7 @@
             <a:fld id="{B20C227C-94C5-4BA1-A89C-1C7570144B22}" type="datetime1">
               <a:rPr lang="uk-UA" smtClean="0"/>
               <a:pPr/>
-              <a:t>31.01.2018</a:t>
+              <a:t>15.04.2018</a:t>
             </a:fld>
             <a:endParaRPr lang="uk-UA"/>
           </a:p>
@@ -1203,7 +1203,7 @@
             <a:fld id="{68E2E168-B245-4D8D-8538-B29990DBF87B}" type="datetime1">
               <a:rPr lang="uk-UA" smtClean="0"/>
               <a:pPr/>
-              <a:t>31.01.2018</a:t>
+              <a:t>15.04.2018</a:t>
             </a:fld>
             <a:endParaRPr lang="uk-UA"/>
           </a:p>
@@ -1446,7 +1446,7 @@
             <a:fld id="{356DAF6E-7007-4E61-B36E-794BF232B234}" type="datetime1">
               <a:rPr lang="uk-UA" smtClean="0"/>
               <a:pPr/>
-              <a:t>31.01.2018</a:t>
+              <a:t>15.04.2018</a:t>
             </a:fld>
             <a:endParaRPr lang="uk-UA"/>
           </a:p>
@@ -1731,7 +1731,7 @@
             <a:fld id="{4B2141DD-FE72-44AA-B946-B70892F1F5B7}" type="datetime1">
               <a:rPr lang="uk-UA" smtClean="0"/>
               <a:pPr/>
-              <a:t>31.01.2018</a:t>
+              <a:t>15.04.2018</a:t>
             </a:fld>
             <a:endParaRPr lang="uk-UA"/>
           </a:p>
@@ -2150,7 +2150,7 @@
             <a:fld id="{D1C4DC7C-6CC4-4D1F-A21B-A650800E0532}" type="datetime1">
               <a:rPr lang="uk-UA" smtClean="0"/>
               <a:pPr/>
-              <a:t>31.01.2018</a:t>
+              <a:t>15.04.2018</a:t>
             </a:fld>
             <a:endParaRPr lang="uk-UA"/>
           </a:p>
@@ -2265,7 +2265,7 @@
             <a:fld id="{09E753FA-BE70-4E9D-A1A2-A798C2E22C2C}" type="datetime1">
               <a:rPr lang="uk-UA" smtClean="0"/>
               <a:pPr/>
-              <a:t>31.01.2018</a:t>
+              <a:t>15.04.2018</a:t>
             </a:fld>
             <a:endParaRPr lang="uk-UA"/>
           </a:p>
@@ -2357,7 +2357,7 @@
             <a:fld id="{BC4E9D1B-A194-48C6-B5A1-4C29D0F81227}" type="datetime1">
               <a:rPr lang="uk-UA" smtClean="0"/>
               <a:pPr/>
-              <a:t>31.01.2018</a:t>
+              <a:t>15.04.2018</a:t>
             </a:fld>
             <a:endParaRPr lang="uk-UA"/>
           </a:p>
@@ -2631,7 +2631,7 @@
             <a:fld id="{98DC5B78-3AEE-4E8C-84A2-DF8B252C6B7D}" type="datetime1">
               <a:rPr lang="uk-UA" smtClean="0"/>
               <a:pPr/>
-              <a:t>31.01.2018</a:t>
+              <a:t>15.04.2018</a:t>
             </a:fld>
             <a:endParaRPr lang="uk-UA"/>
           </a:p>
@@ -2881,7 +2881,7 @@
             <a:fld id="{08E6AC05-7690-4D29-B090-15CFA8055B58}" type="datetime1">
               <a:rPr lang="uk-UA" smtClean="0"/>
               <a:pPr/>
-              <a:t>31.01.2018</a:t>
+              <a:t>15.04.2018</a:t>
             </a:fld>
             <a:endParaRPr lang="uk-UA"/>
           </a:p>
@@ -3091,7 +3091,7 @@
             <a:fld id="{C4778AB5-85A2-4D58-9351-A198925B541D}" type="datetime1">
               <a:rPr lang="uk-UA" smtClean="0"/>
               <a:pPr/>
-              <a:t>31.01.2018</a:t>
+              <a:t>15.04.2018</a:t>
             </a:fld>
             <a:endParaRPr lang="uk-UA"/>
           </a:p>
@@ -3751,7 +3751,7 @@
     </p:spTree>
     <p:extLst>
       <p:ext uri="{BB962C8B-B14F-4D97-AF65-F5344CB8AC3E}">
-        <p14:creationId xmlns:p14="http://schemas.microsoft.com/office/powerpoint/2010/main" val="1448205139"/>
+        <p14:creationId xmlns:p14="http://schemas.microsoft.com/office/powerpoint/2010/main" xmlns="" val="1448205139"/>
       </p:ext>
     </p:extLst>
   </p:cSld>
@@ -4062,7 +4062,7 @@
     </p:spTree>
     <p:extLst>
       <p:ext uri="{BB962C8B-B14F-4D97-AF65-F5344CB8AC3E}">
-        <p14:creationId xmlns:p14="http://schemas.microsoft.com/office/powerpoint/2010/main" val="1140870958"/>
+        <p14:creationId xmlns:p14="http://schemas.microsoft.com/office/powerpoint/2010/main" xmlns="" val="1140870958"/>
       </p:ext>
     </p:extLst>
   </p:cSld>
@@ -4339,7 +4339,7 @@
     </p:spTree>
     <p:extLst>
       <p:ext uri="{BB962C8B-B14F-4D97-AF65-F5344CB8AC3E}">
-        <p14:creationId xmlns:p14="http://schemas.microsoft.com/office/powerpoint/2010/main" val="4171879616"/>
+        <p14:creationId xmlns:p14="http://schemas.microsoft.com/office/powerpoint/2010/main" xmlns="" val="4171879616"/>
       </p:ext>
     </p:extLst>
   </p:cSld>
@@ -4998,7 +4998,7 @@
     </p:spTree>
     <p:extLst>
       <p:ext uri="{BB962C8B-B14F-4D97-AF65-F5344CB8AC3E}">
-        <p14:creationId xmlns:p14="http://schemas.microsoft.com/office/powerpoint/2010/main" val="597077082"/>
+        <p14:creationId xmlns:p14="http://schemas.microsoft.com/office/powerpoint/2010/main" xmlns="" val="597077082"/>
       </p:ext>
     </p:extLst>
   </p:cSld>
@@ -5349,7 +5349,7 @@
     </p:spTree>
     <p:extLst>
       <p:ext uri="{BB962C8B-B14F-4D97-AF65-F5344CB8AC3E}">
-        <p14:creationId xmlns:p14="http://schemas.microsoft.com/office/powerpoint/2010/main" val="2895524598"/>
+        <p14:creationId xmlns:p14="http://schemas.microsoft.com/office/powerpoint/2010/main" xmlns="" val="2895524598"/>
       </p:ext>
     </p:extLst>
   </p:cSld>
@@ -5632,7 +5632,7 @@
     </p:spTree>
     <p:extLst>
       <p:ext uri="{BB962C8B-B14F-4D97-AF65-F5344CB8AC3E}">
-        <p14:creationId xmlns:p14="http://schemas.microsoft.com/office/powerpoint/2010/main" val="4288436292"/>
+        <p14:creationId xmlns:p14="http://schemas.microsoft.com/office/powerpoint/2010/main" xmlns="" val="4288436292"/>
       </p:ext>
     </p:extLst>
   </p:cSld>
@@ -5971,7 +5971,7 @@
     </p:spTree>
     <p:extLst>
       <p:ext uri="{BB962C8B-B14F-4D97-AF65-F5344CB8AC3E}">
-        <p14:creationId xmlns:p14="http://schemas.microsoft.com/office/powerpoint/2010/main" val="1462625036"/>
+        <p14:creationId xmlns:p14="http://schemas.microsoft.com/office/powerpoint/2010/main" xmlns="" val="1462625036"/>
       </p:ext>
     </p:extLst>
   </p:cSld>
@@ -6286,7 +6286,7 @@
     </p:spTree>
     <p:extLst>
       <p:ext uri="{BB962C8B-B14F-4D97-AF65-F5344CB8AC3E}">
-        <p14:creationId xmlns:p14="http://schemas.microsoft.com/office/powerpoint/2010/main" val="555474831"/>
+        <p14:creationId xmlns:p14="http://schemas.microsoft.com/office/powerpoint/2010/main" xmlns="" val="555474831"/>
       </p:ext>
     </p:extLst>
   </p:cSld>
@@ -6625,7 +6625,7 @@
     </p:spTree>
     <p:extLst>
       <p:ext uri="{BB962C8B-B14F-4D97-AF65-F5344CB8AC3E}">
-        <p14:creationId xmlns:p14="http://schemas.microsoft.com/office/powerpoint/2010/main" val="3845266826"/>
+        <p14:creationId xmlns:p14="http://schemas.microsoft.com/office/powerpoint/2010/main" xmlns="" val="3845266826"/>
       </p:ext>
     </p:extLst>
   </p:cSld>
@@ -6719,7 +6719,7 @@
     </p:spTree>
     <p:extLst>
       <p:ext uri="{BB962C8B-B14F-4D97-AF65-F5344CB8AC3E}">
-        <p14:creationId xmlns:p14="http://schemas.microsoft.com/office/powerpoint/2010/main" val="2854689696"/>
+        <p14:creationId xmlns:p14="http://schemas.microsoft.com/office/powerpoint/2010/main" xmlns="" val="2854689696"/>
       </p:ext>
     </p:extLst>
   </p:cSld>
@@ -7035,7 +7035,7 @@
     </p:spTree>
     <p:extLst>
       <p:ext uri="{BB962C8B-B14F-4D97-AF65-F5344CB8AC3E}">
-        <p14:creationId xmlns:p14="http://schemas.microsoft.com/office/powerpoint/2010/main" val="169010852"/>
+        <p14:creationId xmlns:p14="http://schemas.microsoft.com/office/powerpoint/2010/main" xmlns="" val="169010852"/>
       </p:ext>
     </p:extLst>
   </p:cSld>
@@ -7417,7 +7417,7 @@
     </p:spTree>
     <p:extLst>
       <p:ext uri="{BB962C8B-B14F-4D97-AF65-F5344CB8AC3E}">
-        <p14:creationId xmlns:p14="http://schemas.microsoft.com/office/powerpoint/2010/main" val="1205275853"/>
+        <p14:creationId xmlns:p14="http://schemas.microsoft.com/office/powerpoint/2010/main" xmlns="" val="1205275853"/>
       </p:ext>
     </p:extLst>
   </p:cSld>
@@ -7755,7 +7755,7 @@
     </p:spTree>
     <p:extLst>
       <p:ext uri="{BB962C8B-B14F-4D97-AF65-F5344CB8AC3E}">
-        <p14:creationId xmlns:p14="http://schemas.microsoft.com/office/powerpoint/2010/main" val="1635612542"/>
+        <p14:creationId xmlns:p14="http://schemas.microsoft.com/office/powerpoint/2010/main" xmlns="" val="1635612542"/>
       </p:ext>
     </p:extLst>
   </p:cSld>
@@ -7834,7 +7834,7 @@
     </p:spTree>
     <p:extLst>
       <p:ext uri="{BB962C8B-B14F-4D97-AF65-F5344CB8AC3E}">
-        <p14:creationId xmlns:p14="http://schemas.microsoft.com/office/powerpoint/2010/main" val="1337779939"/>
+        <p14:creationId xmlns:p14="http://schemas.microsoft.com/office/powerpoint/2010/main" xmlns="" val="1337779939"/>
       </p:ext>
     </p:extLst>
   </p:cSld>
@@ -8128,7 +8128,7 @@
     </p:spTree>
     <p:extLst>
       <p:ext uri="{BB962C8B-B14F-4D97-AF65-F5344CB8AC3E}">
-        <p14:creationId xmlns:p14="http://schemas.microsoft.com/office/powerpoint/2010/main" val="193940298"/>
+        <p14:creationId xmlns:p14="http://schemas.microsoft.com/office/powerpoint/2010/main" xmlns="" val="193940298"/>
       </p:ext>
     </p:extLst>
   </p:cSld>
@@ -8405,7 +8405,7 @@
     </p:spTree>
     <p:extLst>
       <p:ext uri="{BB962C8B-B14F-4D97-AF65-F5344CB8AC3E}">
-        <p14:creationId xmlns:p14="http://schemas.microsoft.com/office/powerpoint/2010/main" val="3316446347"/>
+        <p14:creationId xmlns:p14="http://schemas.microsoft.com/office/powerpoint/2010/main" xmlns="" val="3316446347"/>
       </p:ext>
     </p:extLst>
   </p:cSld>
@@ -8735,7 +8735,7 @@
     </p:spTree>
     <p:extLst>
       <p:ext uri="{BB962C8B-B14F-4D97-AF65-F5344CB8AC3E}">
-        <p14:creationId xmlns:p14="http://schemas.microsoft.com/office/powerpoint/2010/main" val="1589213892"/>
+        <p14:creationId xmlns:p14="http://schemas.microsoft.com/office/powerpoint/2010/main" xmlns="" val="1589213892"/>
       </p:ext>
     </p:extLst>
   </p:cSld>
@@ -9001,7 +9001,7 @@
     </p:spTree>
     <p:extLst>
       <p:ext uri="{BB962C8B-B14F-4D97-AF65-F5344CB8AC3E}">
-        <p14:creationId xmlns:p14="http://schemas.microsoft.com/office/powerpoint/2010/main" val="3762263444"/>
+        <p14:creationId xmlns:p14="http://schemas.microsoft.com/office/powerpoint/2010/main" xmlns="" val="3762263444"/>
       </p:ext>
     </p:extLst>
   </p:cSld>
@@ -9080,7 +9080,7 @@
     </p:spTree>
     <p:extLst>
       <p:ext uri="{BB962C8B-B14F-4D97-AF65-F5344CB8AC3E}">
-        <p14:creationId xmlns:p14="http://schemas.microsoft.com/office/powerpoint/2010/main" val="4204973655"/>
+        <p14:creationId xmlns:p14="http://schemas.microsoft.com/office/powerpoint/2010/main" xmlns="" val="4204973655"/>
       </p:ext>
     </p:extLst>
   </p:cSld>
@@ -9390,7 +9390,7 @@
     </p:spTree>
     <p:extLst>
       <p:ext uri="{BB962C8B-B14F-4D97-AF65-F5344CB8AC3E}">
-        <p14:creationId xmlns:p14="http://schemas.microsoft.com/office/powerpoint/2010/main" val="2034358088"/>
+        <p14:creationId xmlns:p14="http://schemas.microsoft.com/office/powerpoint/2010/main" xmlns="" val="2034358088"/>
       </p:ext>
     </p:extLst>
   </p:cSld>
@@ -9697,7 +9697,7 @@
     </p:spTree>
     <p:extLst>
       <p:ext uri="{BB962C8B-B14F-4D97-AF65-F5344CB8AC3E}">
-        <p14:creationId xmlns:p14="http://schemas.microsoft.com/office/powerpoint/2010/main" val="920656030"/>
+        <p14:creationId xmlns:p14="http://schemas.microsoft.com/office/powerpoint/2010/main" xmlns="" val="920656030"/>
       </p:ext>
     </p:extLst>
   </p:cSld>
@@ -9776,7 +9776,7 @@
     </p:spTree>
     <p:extLst>
       <p:ext uri="{BB962C8B-B14F-4D97-AF65-F5344CB8AC3E}">
-        <p14:creationId xmlns:p14="http://schemas.microsoft.com/office/powerpoint/2010/main" val="1891647631"/>
+        <p14:creationId xmlns:p14="http://schemas.microsoft.com/office/powerpoint/2010/main" xmlns="" val="1891647631"/>
       </p:ext>
     </p:extLst>
   </p:cSld>
@@ -10068,7 +10068,7 @@
     </p:spTree>
     <p:extLst>
       <p:ext uri="{BB962C8B-B14F-4D97-AF65-F5344CB8AC3E}">
-        <p14:creationId xmlns:p14="http://schemas.microsoft.com/office/powerpoint/2010/main" val="41265796"/>
+        <p14:creationId xmlns:p14="http://schemas.microsoft.com/office/powerpoint/2010/main" xmlns="" val="41265796"/>
       </p:ext>
     </p:extLst>
   </p:cSld>
@@ -10411,7 +10411,7 @@
     </p:spTree>
     <p:extLst>
       <p:ext uri="{BB962C8B-B14F-4D97-AF65-F5344CB8AC3E}">
-        <p14:creationId xmlns:p14="http://schemas.microsoft.com/office/powerpoint/2010/main" val="2700529876"/>
+        <p14:creationId xmlns:p14="http://schemas.microsoft.com/office/powerpoint/2010/main" xmlns="" val="2700529876"/>
       </p:ext>
     </p:extLst>
   </p:cSld>
@@ -10733,7 +10733,7 @@
     </p:spTree>
     <p:extLst>
       <p:ext uri="{BB962C8B-B14F-4D97-AF65-F5344CB8AC3E}">
-        <p14:creationId xmlns:p14="http://schemas.microsoft.com/office/powerpoint/2010/main" val="1455886619"/>
+        <p14:creationId xmlns:p14="http://schemas.microsoft.com/office/powerpoint/2010/main" xmlns="" val="1455886619"/>
       </p:ext>
     </p:extLst>
   </p:cSld>
@@ -11060,7 +11060,7 @@
     </p:spTree>
     <p:extLst>
       <p:ext uri="{BB962C8B-B14F-4D97-AF65-F5344CB8AC3E}">
-        <p14:creationId xmlns:p14="http://schemas.microsoft.com/office/powerpoint/2010/main" val="1685872564"/>
+        <p14:creationId xmlns:p14="http://schemas.microsoft.com/office/powerpoint/2010/main" xmlns="" val="1685872564"/>
       </p:ext>
     </p:extLst>
   </p:cSld>
